--- a/Laboratorio_03/Presentación_Lab3.pptx
+++ b/Laboratorio_03/Presentación_Lab3.pptx
@@ -12,6 +12,7 @@
     <p:sldId id="258" r:id="rId6"/>
     <p:sldId id="259" r:id="rId7"/>
     <p:sldId id="261" r:id="rId8"/>
+    <p:sldId id="264" r:id="rId9"/>
   </p:sldIdLst>
   <p:sldSz cx="12192000" cy="6858000"/>
   <p:notesSz cx="6858000" cy="9144000"/>
@@ -267,7 +268,7 @@
           <a:p>
             <a:fld id="{15262F91-8904-4207-8DD0-20889E08DE47}" type="datetimeFigureOut">
               <a:rPr lang="es-CO" smtClean="0"/>
-              <a:t>22/06/2025</a:t>
+              <a:t>19/07/2025</a:t>
             </a:fld>
             <a:endParaRPr lang="es-CO"/>
           </a:p>
@@ -467,7 +468,7 @@
           <a:p>
             <a:fld id="{15262F91-8904-4207-8DD0-20889E08DE47}" type="datetimeFigureOut">
               <a:rPr lang="es-CO" smtClean="0"/>
-              <a:t>22/06/2025</a:t>
+              <a:t>19/07/2025</a:t>
             </a:fld>
             <a:endParaRPr lang="es-CO"/>
           </a:p>
@@ -677,7 +678,7 @@
           <a:p>
             <a:fld id="{15262F91-8904-4207-8DD0-20889E08DE47}" type="datetimeFigureOut">
               <a:rPr lang="es-CO" smtClean="0"/>
-              <a:t>22/06/2025</a:t>
+              <a:t>19/07/2025</a:t>
             </a:fld>
             <a:endParaRPr lang="es-CO"/>
           </a:p>
@@ -877,7 +878,7 @@
           <a:p>
             <a:fld id="{15262F91-8904-4207-8DD0-20889E08DE47}" type="datetimeFigureOut">
               <a:rPr lang="es-CO" smtClean="0"/>
-              <a:t>22/06/2025</a:t>
+              <a:t>19/07/2025</a:t>
             </a:fld>
             <a:endParaRPr lang="es-CO"/>
           </a:p>
@@ -1153,7 +1154,7 @@
           <a:p>
             <a:fld id="{15262F91-8904-4207-8DD0-20889E08DE47}" type="datetimeFigureOut">
               <a:rPr lang="es-CO" smtClean="0"/>
-              <a:t>22/06/2025</a:t>
+              <a:t>19/07/2025</a:t>
             </a:fld>
             <a:endParaRPr lang="es-CO"/>
           </a:p>
@@ -1421,7 +1422,7 @@
           <a:p>
             <a:fld id="{15262F91-8904-4207-8DD0-20889E08DE47}" type="datetimeFigureOut">
               <a:rPr lang="es-CO" smtClean="0"/>
-              <a:t>22/06/2025</a:t>
+              <a:t>19/07/2025</a:t>
             </a:fld>
             <a:endParaRPr lang="es-CO"/>
           </a:p>
@@ -1836,7 +1837,7 @@
           <a:p>
             <a:fld id="{15262F91-8904-4207-8DD0-20889E08DE47}" type="datetimeFigureOut">
               <a:rPr lang="es-CO" smtClean="0"/>
-              <a:t>22/06/2025</a:t>
+              <a:t>19/07/2025</a:t>
             </a:fld>
             <a:endParaRPr lang="es-CO"/>
           </a:p>
@@ -1978,7 +1979,7 @@
           <a:p>
             <a:fld id="{15262F91-8904-4207-8DD0-20889E08DE47}" type="datetimeFigureOut">
               <a:rPr lang="es-CO" smtClean="0"/>
-              <a:t>22/06/2025</a:t>
+              <a:t>19/07/2025</a:t>
             </a:fld>
             <a:endParaRPr lang="es-CO"/>
           </a:p>
@@ -2091,7 +2092,7 @@
           <a:p>
             <a:fld id="{15262F91-8904-4207-8DD0-20889E08DE47}" type="datetimeFigureOut">
               <a:rPr lang="es-CO" smtClean="0"/>
-              <a:t>22/06/2025</a:t>
+              <a:t>19/07/2025</a:t>
             </a:fld>
             <a:endParaRPr lang="es-CO"/>
           </a:p>
@@ -2404,7 +2405,7 @@
           <a:p>
             <a:fld id="{15262F91-8904-4207-8DD0-20889E08DE47}" type="datetimeFigureOut">
               <a:rPr lang="es-CO" smtClean="0"/>
-              <a:t>22/06/2025</a:t>
+              <a:t>19/07/2025</a:t>
             </a:fld>
             <a:endParaRPr lang="es-CO"/>
           </a:p>
@@ -2693,7 +2694,7 @@
           <a:p>
             <a:fld id="{15262F91-8904-4207-8DD0-20889E08DE47}" type="datetimeFigureOut">
               <a:rPr lang="es-CO" smtClean="0"/>
-              <a:t>22/06/2025</a:t>
+              <a:t>19/07/2025</a:t>
             </a:fld>
             <a:endParaRPr lang="es-CO"/>
           </a:p>
@@ -2936,7 +2937,7 @@
           <a:p>
             <a:fld id="{15262F91-8904-4207-8DD0-20889E08DE47}" type="datetimeFigureOut">
               <a:rPr lang="es-CO" smtClean="0"/>
-              <a:t>22/06/2025</a:t>
+              <a:t>19/07/2025</a:t>
             </a:fld>
             <a:endParaRPr lang="es-CO"/>
           </a:p>
@@ -4334,7 +4335,7 @@
           <p:nvPr>
             <p:extLst>
               <p:ext uri="{D42A27DB-BD31-4B8C-83A1-F6EECF244321}">
-                <p14:modId xmlns:p14="http://schemas.microsoft.com/office/powerpoint/2010/main" val="565154620"/>
+                <p14:modId xmlns:p14="http://schemas.microsoft.com/office/powerpoint/2010/main" val="3156454821"/>
               </p:ext>
             </p:extLst>
           </p:nvPr>
@@ -4663,6 +4664,114 @@
 </p:sld>
 </file>
 
+<file path=ppt/slides/slide8.xml><?xml version="1.0" encoding="utf-8"?>
+<p:sld xmlns:a="http://schemas.openxmlformats.org/drawingml/2006/main" xmlns:r="http://schemas.openxmlformats.org/officeDocument/2006/relationships" xmlns:p="http://schemas.openxmlformats.org/presentationml/2006/main">
+  <p:cSld>
+    <p:spTree>
+      <p:nvGrpSpPr>
+        <p:cNvPr id="1" name="">
+          <a:extLst>
+            <a:ext uri="{FF2B5EF4-FFF2-40B4-BE49-F238E27FC236}">
+              <a16:creationId xmlns:a16="http://schemas.microsoft.com/office/drawing/2014/main" id="{7101D02D-8AEB-6A92-7906-AE14F5344CEA}"/>
+            </a:ext>
+          </a:extLst>
+        </p:cNvPr>
+        <p:cNvGrpSpPr/>
+        <p:nvPr/>
+      </p:nvGrpSpPr>
+      <p:grpSpPr>
+        <a:xfrm>
+          <a:off x="0" y="0"/>
+          <a:ext cx="0" cy="0"/>
+          <a:chOff x="0" y="0"/>
+          <a:chExt cx="0" cy="0"/>
+        </a:xfrm>
+      </p:grpSpPr>
+      <p:sp>
+        <p:nvSpPr>
+          <p:cNvPr id="2" name="Título 1">
+            <a:extLst>
+              <a:ext uri="{FF2B5EF4-FFF2-40B4-BE49-F238E27FC236}">
+                <a16:creationId xmlns:a16="http://schemas.microsoft.com/office/drawing/2014/main" id="{E1D2B0ED-F5D3-93F0-1890-856FBAFAF871}"/>
+              </a:ext>
+            </a:extLst>
+          </p:cNvPr>
+          <p:cNvSpPr>
+            <a:spLocks noGrp="1"/>
+          </p:cNvSpPr>
+          <p:nvPr>
+            <p:ph type="title"/>
+          </p:nvPr>
+        </p:nvSpPr>
+        <p:spPr>
+          <a:xfrm>
+            <a:off x="1077191" y="214017"/>
+            <a:ext cx="10037618" cy="837537"/>
+          </a:xfrm>
+        </p:spPr>
+        <p:txBody>
+          <a:bodyPr/>
+          <a:lstStyle/>
+          <a:p>
+            <a:pPr algn="ctr"/>
+            <a:r>
+              <a:rPr lang="es-ES" dirty="0"/>
+              <a:t>MEDICIÓN DE VOLTAJE</a:t>
+            </a:r>
+            <a:endParaRPr lang="es-CO" dirty="0"/>
+          </a:p>
+        </p:txBody>
+      </p:sp>
+      <p:pic>
+        <p:nvPicPr>
+          <p:cNvPr id="4" name="Imagen 3" descr="Imagen que contiene persona, computadora, computer, tabla&#10;&#10;El contenido generado por IA puede ser incorrecto.">
+            <a:extLst>
+              <a:ext uri="{FF2B5EF4-FFF2-40B4-BE49-F238E27FC236}">
+                <a16:creationId xmlns:a16="http://schemas.microsoft.com/office/drawing/2014/main" id="{3D8465F3-61CA-2DFE-5250-2160F4C64AC4}"/>
+              </a:ext>
+            </a:extLst>
+          </p:cNvPr>
+          <p:cNvPicPr>
+            <a:picLocks noChangeAspect="1"/>
+          </p:cNvPicPr>
+          <p:nvPr/>
+        </p:nvPicPr>
+        <p:blipFill>
+          <a:blip r:embed="rId2">
+            <a:extLst>
+              <a:ext uri="{28A0092B-C50C-407E-A947-70E740481C1C}">
+                <a14:useLocalDpi xmlns:a14="http://schemas.microsoft.com/office/drawing/2010/main" val="0"/>
+              </a:ext>
+            </a:extLst>
+          </a:blip>
+          <a:srcRect t="8904" r="19787" b="21654"/>
+          <a:stretch>
+            <a:fillRect/>
+          </a:stretch>
+        </p:blipFill>
+        <p:spPr>
+          <a:xfrm>
+            <a:off x="1974272" y="1051554"/>
+            <a:ext cx="8347363" cy="5419860"/>
+          </a:xfrm>
+          <a:prstGeom prst="rect">
+            <a:avLst/>
+          </a:prstGeom>
+        </p:spPr>
+      </p:pic>
+    </p:spTree>
+    <p:extLst>
+      <p:ext uri="{BB962C8B-B14F-4D97-AF65-F5344CB8AC3E}">
+        <p14:creationId xmlns:p14="http://schemas.microsoft.com/office/powerpoint/2010/main" val="1842304200"/>
+      </p:ext>
+    </p:extLst>
+  </p:cSld>
+  <p:clrMapOvr>
+    <a:masterClrMapping/>
+  </p:clrMapOvr>
+</p:sld>
+</file>
+
 <file path=ppt/theme/theme1.xml><?xml version="1.0" encoding="utf-8"?>
 <a:theme xmlns:a="http://schemas.openxmlformats.org/drawingml/2006/main" name="Tema de Office">
   <a:themeElements>
